--- a/slides/developer-guide/working-with-shapes/working-with-shapes-on-special-slides/working-with-paragraphs-on-a-special-slide/update-paragraphs-on-a-special-slide/MyPresentation.pptx
+++ b/slides/developer-guide/working-with-shapes/working-with-shapes-on-special-slides/working-with-paragraphs-on-a-special-slide/update-paragraphs-on-a-special-slide/MyPresentation.pptx
@@ -1,7 +1,6 @@
 
 <file path=ppt/presentation.xml><?xml version="1.0" encoding="utf-8"?>
-<!--Generated by Aspose.Slides for .NET 24.3-->
-<p:presentation xmlns:r="http://schemas.openxmlformats.org/officeDocument/2006/relationships" xmlns:a="http://schemas.openxmlformats.org/drawingml/2006/main" xmlns:p="http://schemas.openxmlformats.org/presentationml/2006/main" saveSubsetFonts="1">
+<p:presentation xmlns:a="http://schemas.openxmlformats.org/drawingml/2006/main" xmlns:r="http://schemas.openxmlformats.org/officeDocument/2006/relationships" xmlns:p="http://schemas.openxmlformats.org/presentationml/2006/main" saveSubsetFonts="1">
   <p:sldMasterIdLst>
     <p:sldMasterId id="2147483648" r:id="rId1"/>
   </p:sldMasterIdLst>
@@ -120,7 +119,7 @@
 </file>
 
 <file path=ppt/slideLayouts/slideLayout1.xml><?xml version="1.0" encoding="utf-8"?>
-<p:sldLayout xmlns:a="http://schemas.openxmlformats.org/drawingml/2006/main" xmlns:r="http://schemas.openxmlformats.org/officeDocument/2006/relationships" xmlns:m="http://schemas.openxmlformats.org/officeDocument/2006/math" xmlns:w="http://schemas.openxmlformats.org/wordprocessingml/2006/main" xmlns:wp="http://schemas.openxmlformats.org/drawingml/2006/wordprocessingDrawing" xmlns:a14="http://schemas.microsoft.com/office/drawing/2010/main" xmlns:mc="http://schemas.openxmlformats.org/markup-compatibility/2006" xmlns:p14="http://schemas.microsoft.com/office/powerpoint/2010/main" xmlns:p15="http://schemas.microsoft.com/office/powerpoint/2012/main" xmlns:p159="http://schemas.microsoft.com/office/powerpoint/2015/09/main" xmlns:p="http://schemas.openxmlformats.org/presentationml/2006/main" preserve="1" userDrawn="1">
+<p:sldLayout xmlns:a="http://schemas.openxmlformats.org/drawingml/2006/main" xmlns:r="http://schemas.openxmlformats.org/officeDocument/2006/relationships" xmlns:p="http://schemas.openxmlformats.org/presentationml/2006/main" preserve="1" userDrawn="1">
   <p:cSld name="Title Slide">
     <p:spTree>
       <p:nvGrpSpPr>
@@ -132,12 +131,14 @@
         <a:xfrm>
           <a:off x="0" y="0"/>
           <a:ext cx="0" cy="0"/>
+          <a:chOff x="0" y="0"/>
+          <a:chExt cx="0" cy="0"/>
         </a:xfrm>
       </p:grpSpPr>
     </p:spTree>
     <p:extLst>
       <p:ext uri="{BB962C8B-B14F-4D97-AF65-F5344CB8AC3E}">
-        <p14:creationId val="333574211"/>
+        <p14:creationId xmlns:p14="http://schemas.microsoft.com/office/powerpoint/2010/main" val="333574211"/>
       </p:ext>
     </p:extLst>
   </p:cSld>
@@ -145,12 +146,11 @@
     <a:masterClrMapping/>
   </p:clrMapOvr>
   <p:transition/>
-  <p:timing/>
 </p:sldLayout>
 </file>
 
 <file path=ppt/slideLayouts/slideLayout10.xml><?xml version="1.0" encoding="utf-8"?>
-<p:sldLayout xmlns:a="http://schemas.openxmlformats.org/drawingml/2006/main" xmlns:r="http://schemas.openxmlformats.org/officeDocument/2006/relationships" xmlns:m="http://schemas.openxmlformats.org/officeDocument/2006/math" xmlns:w="http://schemas.openxmlformats.org/wordprocessingml/2006/main" xmlns:wp="http://schemas.openxmlformats.org/drawingml/2006/wordprocessingDrawing" xmlns:a14="http://schemas.microsoft.com/office/drawing/2010/main" xmlns:mc="http://schemas.openxmlformats.org/markup-compatibility/2006" xmlns:p14="http://schemas.microsoft.com/office/powerpoint/2010/main" xmlns:p15="http://schemas.microsoft.com/office/powerpoint/2012/main" xmlns:p159="http://schemas.microsoft.com/office/powerpoint/2015/09/main" xmlns:p="http://schemas.openxmlformats.org/presentationml/2006/main" type="vertTx" preserve="1">
+<p:sldLayout xmlns:a="http://schemas.openxmlformats.org/drawingml/2006/main" xmlns:r="http://schemas.openxmlformats.org/officeDocument/2006/relationships" xmlns:p="http://schemas.openxmlformats.org/presentationml/2006/main" type="vertTx" preserve="1">
   <p:cSld name="Title and Vertical Text">
     <p:spTree>
       <p:nvGrpSpPr>
@@ -162,6 +162,8 @@
         <a:xfrm>
           <a:off x="0" y="0"/>
           <a:ext cx="0" cy="0"/>
+          <a:chOff x="0" y="0"/>
+          <a:chExt cx="0" cy="0"/>
         </a:xfrm>
       </p:grpSpPr>
       <p:sp>
@@ -298,7 +300,7 @@
           <a:p>
             <a:fld id="{60EEB316-38BF-4E8F-9FE9-E4C90A259C5B}" type="datetimeFigureOut">
               <a:rPr lang="ru-RU" smtClean="0"/>
-              <a:t>08.04.2024</a:t>
+              <a:t>15.04.2024</a:t>
             </a:fld>
             <a:endParaRPr lang="ru-RU"/>
           </a:p>
@@ -377,7 +379,7 @@
     </p:spTree>
     <p:extLst>
       <p:ext uri="{BB962C8B-B14F-4D97-AF65-F5344CB8AC3E}">
-        <p14:creationId val="2516689775"/>
+        <p14:creationId xmlns:p14="http://schemas.microsoft.com/office/powerpoint/2010/main" val="2516689775"/>
       </p:ext>
     </p:extLst>
   </p:cSld>
@@ -385,12 +387,11 @@
     <a:masterClrMapping/>
   </p:clrMapOvr>
   <p:transition/>
-  <p:timing/>
 </p:sldLayout>
 </file>
 
 <file path=ppt/slideLayouts/slideLayout11.xml><?xml version="1.0" encoding="utf-8"?>
-<p:sldLayout xmlns:a="http://schemas.openxmlformats.org/drawingml/2006/main" xmlns:r="http://schemas.openxmlformats.org/officeDocument/2006/relationships" xmlns:m="http://schemas.openxmlformats.org/officeDocument/2006/math" xmlns:w="http://schemas.openxmlformats.org/wordprocessingml/2006/main" xmlns:wp="http://schemas.openxmlformats.org/drawingml/2006/wordprocessingDrawing" xmlns:a14="http://schemas.microsoft.com/office/drawing/2010/main" xmlns:mc="http://schemas.openxmlformats.org/markup-compatibility/2006" xmlns:p14="http://schemas.microsoft.com/office/powerpoint/2010/main" xmlns:p15="http://schemas.microsoft.com/office/powerpoint/2012/main" xmlns:p159="http://schemas.microsoft.com/office/powerpoint/2015/09/main" xmlns:p="http://schemas.openxmlformats.org/presentationml/2006/main" type="vertTitleAndTx" preserve="1">
+<p:sldLayout xmlns:a="http://schemas.openxmlformats.org/drawingml/2006/main" xmlns:r="http://schemas.openxmlformats.org/officeDocument/2006/relationships" xmlns:p="http://schemas.openxmlformats.org/presentationml/2006/main" type="vertTitleAndTx" preserve="1">
   <p:cSld name="Vertical Title and Text">
     <p:spTree>
       <p:nvGrpSpPr>
@@ -402,6 +403,8 @@
         <a:xfrm>
           <a:off x="0" y="0"/>
           <a:ext cx="0" cy="0"/>
+          <a:chOff x="0" y="0"/>
+          <a:chExt cx="0" cy="0"/>
         </a:xfrm>
       </p:grpSpPr>
       <p:sp>
@@ -538,7 +541,7 @@
           <a:p>
             <a:fld id="{60EEB316-38BF-4E8F-9FE9-E4C90A259C5B}" type="datetimeFigureOut">
               <a:rPr lang="ru-RU" smtClean="0"/>
-              <a:t>08.04.2024</a:t>
+              <a:t>15.04.2024</a:t>
             </a:fld>
             <a:endParaRPr lang="ru-RU"/>
           </a:p>
@@ -617,7 +620,7 @@
     </p:spTree>
     <p:extLst>
       <p:ext uri="{BB962C8B-B14F-4D97-AF65-F5344CB8AC3E}">
-        <p14:creationId val="2268444288"/>
+        <p14:creationId xmlns:p14="http://schemas.microsoft.com/office/powerpoint/2010/main" val="2268444288"/>
       </p:ext>
     </p:extLst>
   </p:cSld>
@@ -625,12 +628,11 @@
     <a:masterClrMapping/>
   </p:clrMapOvr>
   <p:transition/>
-  <p:timing/>
 </p:sldLayout>
 </file>
 
 <file path=ppt/slideLayouts/slideLayout2.xml><?xml version="1.0" encoding="utf-8"?>
-<p:sldLayout xmlns:a="http://schemas.openxmlformats.org/drawingml/2006/main" xmlns:r="http://schemas.openxmlformats.org/officeDocument/2006/relationships" xmlns:m="http://schemas.openxmlformats.org/officeDocument/2006/math" xmlns:w="http://schemas.openxmlformats.org/wordprocessingml/2006/main" xmlns:wp="http://schemas.openxmlformats.org/drawingml/2006/wordprocessingDrawing" xmlns:a14="http://schemas.microsoft.com/office/drawing/2010/main" xmlns:mc="http://schemas.openxmlformats.org/markup-compatibility/2006" xmlns:p14="http://schemas.microsoft.com/office/powerpoint/2010/main" xmlns:p15="http://schemas.microsoft.com/office/powerpoint/2012/main" xmlns:p159="http://schemas.microsoft.com/office/powerpoint/2015/09/main" xmlns:p="http://schemas.openxmlformats.org/presentationml/2006/main" type="obj" preserve="1">
+<p:sldLayout xmlns:a="http://schemas.openxmlformats.org/drawingml/2006/main" xmlns:r="http://schemas.openxmlformats.org/officeDocument/2006/relationships" xmlns:p="http://schemas.openxmlformats.org/presentationml/2006/main" type="obj" preserve="1">
   <p:cSld name="Title and Content">
     <p:spTree>
       <p:nvGrpSpPr>
@@ -642,6 +644,8 @@
         <a:xfrm>
           <a:off x="0" y="0"/>
           <a:ext cx="0" cy="0"/>
+          <a:chOff x="0" y="0"/>
+          <a:chExt cx="0" cy="0"/>
         </a:xfrm>
       </p:grpSpPr>
       <p:sp>
@@ -778,7 +782,7 @@
           <a:p>
             <a:fld id="{60EEB316-38BF-4E8F-9FE9-E4C90A259C5B}" type="datetimeFigureOut">
               <a:rPr lang="ru-RU" smtClean="0"/>
-              <a:t>08.04.2024</a:t>
+              <a:t>15.04.2024</a:t>
             </a:fld>
             <a:endParaRPr lang="ru-RU"/>
           </a:p>
@@ -857,7 +861,7 @@
     </p:spTree>
     <p:extLst>
       <p:ext uri="{BB962C8B-B14F-4D97-AF65-F5344CB8AC3E}">
-        <p14:creationId val="3425115577"/>
+        <p14:creationId xmlns:p14="http://schemas.microsoft.com/office/powerpoint/2010/main" val="3425115577"/>
       </p:ext>
     </p:extLst>
   </p:cSld>
@@ -865,12 +869,11 @@
     <a:masterClrMapping/>
   </p:clrMapOvr>
   <p:transition/>
-  <p:timing/>
 </p:sldLayout>
 </file>
 
 <file path=ppt/slideLayouts/slideLayout3.xml><?xml version="1.0" encoding="utf-8"?>
-<p:sldLayout xmlns:a="http://schemas.openxmlformats.org/drawingml/2006/main" xmlns:r="http://schemas.openxmlformats.org/officeDocument/2006/relationships" xmlns:m="http://schemas.openxmlformats.org/officeDocument/2006/math" xmlns:w="http://schemas.openxmlformats.org/wordprocessingml/2006/main" xmlns:wp="http://schemas.openxmlformats.org/drawingml/2006/wordprocessingDrawing" xmlns:a14="http://schemas.microsoft.com/office/drawing/2010/main" xmlns:mc="http://schemas.openxmlformats.org/markup-compatibility/2006" xmlns:p14="http://schemas.microsoft.com/office/powerpoint/2010/main" xmlns:p15="http://schemas.microsoft.com/office/powerpoint/2012/main" xmlns:p159="http://schemas.microsoft.com/office/powerpoint/2015/09/main" xmlns:p="http://schemas.openxmlformats.org/presentationml/2006/main" type="secHead" preserve="1">
+<p:sldLayout xmlns:a="http://schemas.openxmlformats.org/drawingml/2006/main" xmlns:r="http://schemas.openxmlformats.org/officeDocument/2006/relationships" xmlns:p="http://schemas.openxmlformats.org/presentationml/2006/main" type="secHead" preserve="1">
   <p:cSld name="Section Header">
     <p:spTree>
       <p:nvGrpSpPr>
@@ -882,6 +885,8 @@
         <a:xfrm>
           <a:off x="0" y="0"/>
           <a:ext cx="0" cy="0"/>
+          <a:chOff x="0" y="0"/>
+          <a:chExt cx="0" cy="0"/>
         </a:xfrm>
       </p:grpSpPr>
       <p:sp>
@@ -1084,7 +1089,7 @@
           <a:p>
             <a:fld id="{60EEB316-38BF-4E8F-9FE9-E4C90A259C5B}" type="datetimeFigureOut">
               <a:rPr lang="ru-RU" smtClean="0"/>
-              <a:t>08.04.2024</a:t>
+              <a:t>15.04.2024</a:t>
             </a:fld>
             <a:endParaRPr lang="ru-RU"/>
           </a:p>
@@ -1163,7 +1168,7 @@
     </p:spTree>
     <p:extLst>
       <p:ext uri="{BB962C8B-B14F-4D97-AF65-F5344CB8AC3E}">
-        <p14:creationId val="3834198199"/>
+        <p14:creationId xmlns:p14="http://schemas.microsoft.com/office/powerpoint/2010/main" val="3834198199"/>
       </p:ext>
     </p:extLst>
   </p:cSld>
@@ -1171,12 +1176,11 @@
     <a:masterClrMapping/>
   </p:clrMapOvr>
   <p:transition/>
-  <p:timing/>
 </p:sldLayout>
 </file>
 
 <file path=ppt/slideLayouts/slideLayout4.xml><?xml version="1.0" encoding="utf-8"?>
-<p:sldLayout xmlns:a="http://schemas.openxmlformats.org/drawingml/2006/main" xmlns:r="http://schemas.openxmlformats.org/officeDocument/2006/relationships" xmlns:m="http://schemas.openxmlformats.org/officeDocument/2006/math" xmlns:w="http://schemas.openxmlformats.org/wordprocessingml/2006/main" xmlns:wp="http://schemas.openxmlformats.org/drawingml/2006/wordprocessingDrawing" xmlns:a14="http://schemas.microsoft.com/office/drawing/2010/main" xmlns:mc="http://schemas.openxmlformats.org/markup-compatibility/2006" xmlns:p14="http://schemas.microsoft.com/office/powerpoint/2010/main" xmlns:p15="http://schemas.microsoft.com/office/powerpoint/2012/main" xmlns:p159="http://schemas.microsoft.com/office/powerpoint/2015/09/main" xmlns:p="http://schemas.openxmlformats.org/presentationml/2006/main" type="twoObj" preserve="1">
+<p:sldLayout xmlns:a="http://schemas.openxmlformats.org/drawingml/2006/main" xmlns:r="http://schemas.openxmlformats.org/officeDocument/2006/relationships" xmlns:p="http://schemas.openxmlformats.org/presentationml/2006/main" type="twoObj" preserve="1">
   <p:cSld name="Two Content">
     <p:spTree>
       <p:nvGrpSpPr>
@@ -1188,6 +1192,8 @@
         <a:xfrm>
           <a:off x="0" y="0"/>
           <a:ext cx="0" cy="0"/>
+          <a:chOff x="0" y="0"/>
+          <a:chExt cx="0" cy="0"/>
         </a:xfrm>
       </p:grpSpPr>
       <p:sp>
@@ -1390,7 +1396,7 @@
           <a:p>
             <a:fld id="{60EEB316-38BF-4E8F-9FE9-E4C90A259C5B}" type="datetimeFigureOut">
               <a:rPr lang="ru-RU" smtClean="0"/>
-              <a:t>08.04.2024</a:t>
+              <a:t>15.04.2024</a:t>
             </a:fld>
             <a:endParaRPr lang="ru-RU"/>
           </a:p>
@@ -1469,7 +1475,7 @@
     </p:spTree>
     <p:extLst>
       <p:ext uri="{BB962C8B-B14F-4D97-AF65-F5344CB8AC3E}">
-        <p14:creationId val="3057238154"/>
+        <p14:creationId xmlns:p14="http://schemas.microsoft.com/office/powerpoint/2010/main" val="3057238154"/>
       </p:ext>
     </p:extLst>
   </p:cSld>
@@ -1477,12 +1483,11 @@
     <a:masterClrMapping/>
   </p:clrMapOvr>
   <p:transition/>
-  <p:timing/>
 </p:sldLayout>
 </file>
 
 <file path=ppt/slideLayouts/slideLayout5.xml><?xml version="1.0" encoding="utf-8"?>
-<p:sldLayout xmlns:a="http://schemas.openxmlformats.org/drawingml/2006/main" xmlns:r="http://schemas.openxmlformats.org/officeDocument/2006/relationships" xmlns:m="http://schemas.openxmlformats.org/officeDocument/2006/math" xmlns:w="http://schemas.openxmlformats.org/wordprocessingml/2006/main" xmlns:wp="http://schemas.openxmlformats.org/drawingml/2006/wordprocessingDrawing" xmlns:a14="http://schemas.microsoft.com/office/drawing/2010/main" xmlns:mc="http://schemas.openxmlformats.org/markup-compatibility/2006" xmlns:p14="http://schemas.microsoft.com/office/powerpoint/2010/main" xmlns:p15="http://schemas.microsoft.com/office/powerpoint/2012/main" xmlns:p159="http://schemas.microsoft.com/office/powerpoint/2015/09/main" xmlns:p="http://schemas.openxmlformats.org/presentationml/2006/main" type="twoTxTwoObj" preserve="1">
+<p:sldLayout xmlns:a="http://schemas.openxmlformats.org/drawingml/2006/main" xmlns:r="http://schemas.openxmlformats.org/officeDocument/2006/relationships" xmlns:p="http://schemas.openxmlformats.org/presentationml/2006/main" type="twoTxTwoObj" preserve="1">
   <p:cSld name="Comparison">
     <p:spTree>
       <p:nvGrpSpPr>
@@ -1494,6 +1499,8 @@
         <a:xfrm>
           <a:off x="0" y="0"/>
           <a:ext cx="0" cy="0"/>
+          <a:chOff x="0" y="0"/>
+          <a:chExt cx="0" cy="0"/>
         </a:xfrm>
       </p:grpSpPr>
       <p:sp>
@@ -1844,7 +1851,7 @@
           <a:p>
             <a:fld id="{60EEB316-38BF-4E8F-9FE9-E4C90A259C5B}" type="datetimeFigureOut">
               <a:rPr lang="ru-RU" smtClean="0"/>
-              <a:t>08.04.2024</a:t>
+              <a:t>15.04.2024</a:t>
             </a:fld>
             <a:endParaRPr lang="ru-RU"/>
           </a:p>
@@ -1923,7 +1930,7 @@
     </p:spTree>
     <p:extLst>
       <p:ext uri="{BB962C8B-B14F-4D97-AF65-F5344CB8AC3E}">
-        <p14:creationId val="324525342"/>
+        <p14:creationId xmlns:p14="http://schemas.microsoft.com/office/powerpoint/2010/main" val="324525342"/>
       </p:ext>
     </p:extLst>
   </p:cSld>
@@ -1931,12 +1938,11 @@
     <a:masterClrMapping/>
   </p:clrMapOvr>
   <p:transition/>
-  <p:timing/>
 </p:sldLayout>
 </file>
 
 <file path=ppt/slideLayouts/slideLayout6.xml><?xml version="1.0" encoding="utf-8"?>
-<p:sldLayout xmlns:a="http://schemas.openxmlformats.org/drawingml/2006/main" xmlns:r="http://schemas.openxmlformats.org/officeDocument/2006/relationships" xmlns:m="http://schemas.openxmlformats.org/officeDocument/2006/math" xmlns:w="http://schemas.openxmlformats.org/wordprocessingml/2006/main" xmlns:wp="http://schemas.openxmlformats.org/drawingml/2006/wordprocessingDrawing" xmlns:a14="http://schemas.microsoft.com/office/drawing/2010/main" xmlns:mc="http://schemas.openxmlformats.org/markup-compatibility/2006" xmlns:p14="http://schemas.microsoft.com/office/powerpoint/2010/main" xmlns:p15="http://schemas.microsoft.com/office/powerpoint/2012/main" xmlns:p159="http://schemas.microsoft.com/office/powerpoint/2015/09/main" xmlns:p="http://schemas.openxmlformats.org/presentationml/2006/main" type="titleOnly" preserve="1">
+<p:sldLayout xmlns:a="http://schemas.openxmlformats.org/drawingml/2006/main" xmlns:r="http://schemas.openxmlformats.org/officeDocument/2006/relationships" xmlns:p="http://schemas.openxmlformats.org/presentationml/2006/main" type="titleOnly" preserve="1">
   <p:cSld name="Title Only">
     <p:spTree>
       <p:nvGrpSpPr>
@@ -1948,6 +1954,8 @@
         <a:xfrm>
           <a:off x="0" y="0"/>
           <a:ext cx="0" cy="0"/>
+          <a:chOff x="0" y="0"/>
+          <a:chExt cx="0" cy="0"/>
         </a:xfrm>
       </p:grpSpPr>
       <p:sp>
@@ -2018,7 +2026,7 @@
           <a:p>
             <a:fld id="{60EEB316-38BF-4E8F-9FE9-E4C90A259C5B}" type="datetimeFigureOut">
               <a:rPr lang="ru-RU" smtClean="0"/>
-              <a:t>08.04.2024</a:t>
+              <a:t>15.04.2024</a:t>
             </a:fld>
             <a:endParaRPr lang="ru-RU"/>
           </a:p>
@@ -2097,7 +2105,7 @@
     </p:spTree>
     <p:extLst>
       <p:ext uri="{BB962C8B-B14F-4D97-AF65-F5344CB8AC3E}">
-        <p14:creationId val="3230958074"/>
+        <p14:creationId xmlns:p14="http://schemas.microsoft.com/office/powerpoint/2010/main" val="3230958074"/>
       </p:ext>
     </p:extLst>
   </p:cSld>
@@ -2105,12 +2113,11 @@
     <a:masterClrMapping/>
   </p:clrMapOvr>
   <p:transition/>
-  <p:timing/>
 </p:sldLayout>
 </file>
 
 <file path=ppt/slideLayouts/slideLayout7.xml><?xml version="1.0" encoding="utf-8"?>
-<p:sldLayout xmlns:a="http://schemas.openxmlformats.org/drawingml/2006/main" xmlns:r="http://schemas.openxmlformats.org/officeDocument/2006/relationships" xmlns:m="http://schemas.openxmlformats.org/officeDocument/2006/math" xmlns:w="http://schemas.openxmlformats.org/wordprocessingml/2006/main" xmlns:wp="http://schemas.openxmlformats.org/drawingml/2006/wordprocessingDrawing" xmlns:a14="http://schemas.microsoft.com/office/drawing/2010/main" xmlns:mc="http://schemas.openxmlformats.org/markup-compatibility/2006" xmlns:p14="http://schemas.microsoft.com/office/powerpoint/2010/main" xmlns:p15="http://schemas.microsoft.com/office/powerpoint/2012/main" xmlns:p159="http://schemas.microsoft.com/office/powerpoint/2015/09/main" xmlns:p="http://schemas.openxmlformats.org/presentationml/2006/main" type="blank" preserve="1">
+<p:sldLayout xmlns:a="http://schemas.openxmlformats.org/drawingml/2006/main" xmlns:r="http://schemas.openxmlformats.org/officeDocument/2006/relationships" xmlns:p="http://schemas.openxmlformats.org/presentationml/2006/main" type="blank" preserve="1">
   <p:cSld name="Blank">
     <p:spTree>
       <p:nvGrpSpPr>
@@ -2122,6 +2129,8 @@
         <a:xfrm>
           <a:off x="0" y="0"/>
           <a:ext cx="0" cy="0"/>
+          <a:chOff x="0" y="0"/>
+          <a:chExt cx="0" cy="0"/>
         </a:xfrm>
       </p:grpSpPr>
       <p:sp>
@@ -2155,7 +2164,7 @@
           <a:p>
             <a:fld id="{60EEB316-38BF-4E8F-9FE9-E4C90A259C5B}" type="datetimeFigureOut">
               <a:rPr lang="ru-RU" smtClean="0"/>
-              <a:t>08.04.2024</a:t>
+              <a:t>15.04.2024</a:t>
             </a:fld>
             <a:endParaRPr lang="ru-RU"/>
           </a:p>
@@ -2234,7 +2243,7 @@
     </p:spTree>
     <p:extLst>
       <p:ext uri="{BB962C8B-B14F-4D97-AF65-F5344CB8AC3E}">
-        <p14:creationId val="2789040983"/>
+        <p14:creationId xmlns:p14="http://schemas.microsoft.com/office/powerpoint/2010/main" val="2789040983"/>
       </p:ext>
     </p:extLst>
   </p:cSld>
@@ -2242,12 +2251,11 @@
     <a:masterClrMapping/>
   </p:clrMapOvr>
   <p:transition/>
-  <p:timing/>
 </p:sldLayout>
 </file>
 
 <file path=ppt/slideLayouts/slideLayout8.xml><?xml version="1.0" encoding="utf-8"?>
-<p:sldLayout xmlns:a="http://schemas.openxmlformats.org/drawingml/2006/main" xmlns:r="http://schemas.openxmlformats.org/officeDocument/2006/relationships" xmlns:m="http://schemas.openxmlformats.org/officeDocument/2006/math" xmlns:w="http://schemas.openxmlformats.org/wordprocessingml/2006/main" xmlns:wp="http://schemas.openxmlformats.org/drawingml/2006/wordprocessingDrawing" xmlns:a14="http://schemas.microsoft.com/office/drawing/2010/main" xmlns:mc="http://schemas.openxmlformats.org/markup-compatibility/2006" xmlns:p14="http://schemas.microsoft.com/office/powerpoint/2010/main" xmlns:p15="http://schemas.microsoft.com/office/powerpoint/2012/main" xmlns:p159="http://schemas.microsoft.com/office/powerpoint/2015/09/main" xmlns:p="http://schemas.openxmlformats.org/presentationml/2006/main" type="objTx" preserve="1">
+<p:sldLayout xmlns:a="http://schemas.openxmlformats.org/drawingml/2006/main" xmlns:r="http://schemas.openxmlformats.org/officeDocument/2006/relationships" xmlns:p="http://schemas.openxmlformats.org/presentationml/2006/main" type="objTx" preserve="1">
   <p:cSld name="Content with Caption">
     <p:spTree>
       <p:nvGrpSpPr>
@@ -2259,6 +2267,8 @@
         <a:xfrm>
           <a:off x="0" y="0"/>
           <a:ext cx="0" cy="0"/>
+          <a:chOff x="0" y="0"/>
+          <a:chExt cx="0" cy="0"/>
         </a:xfrm>
       </p:grpSpPr>
       <p:sp>
@@ -2501,7 +2511,7 @@
           <a:p>
             <a:fld id="{60EEB316-38BF-4E8F-9FE9-E4C90A259C5B}" type="datetimeFigureOut">
               <a:rPr lang="ru-RU" smtClean="0"/>
-              <a:t>08.04.2024</a:t>
+              <a:t>15.04.2024</a:t>
             </a:fld>
             <a:endParaRPr lang="ru-RU"/>
           </a:p>
@@ -2580,7 +2590,7 @@
     </p:spTree>
     <p:extLst>
       <p:ext uri="{BB962C8B-B14F-4D97-AF65-F5344CB8AC3E}">
-        <p14:creationId val="3900255515"/>
+        <p14:creationId xmlns:p14="http://schemas.microsoft.com/office/powerpoint/2010/main" val="3900255515"/>
       </p:ext>
     </p:extLst>
   </p:cSld>
@@ -2588,12 +2598,11 @@
     <a:masterClrMapping/>
   </p:clrMapOvr>
   <p:transition/>
-  <p:timing/>
 </p:sldLayout>
 </file>
 
 <file path=ppt/slideLayouts/slideLayout9.xml><?xml version="1.0" encoding="utf-8"?>
-<p:sldLayout xmlns:a="http://schemas.openxmlformats.org/drawingml/2006/main" xmlns:r="http://schemas.openxmlformats.org/officeDocument/2006/relationships" xmlns:m="http://schemas.openxmlformats.org/officeDocument/2006/math" xmlns:w="http://schemas.openxmlformats.org/wordprocessingml/2006/main" xmlns:wp="http://schemas.openxmlformats.org/drawingml/2006/wordprocessingDrawing" xmlns:a14="http://schemas.microsoft.com/office/drawing/2010/main" xmlns:mc="http://schemas.openxmlformats.org/markup-compatibility/2006" xmlns:p14="http://schemas.microsoft.com/office/powerpoint/2010/main" xmlns:p15="http://schemas.microsoft.com/office/powerpoint/2012/main" xmlns:p159="http://schemas.microsoft.com/office/powerpoint/2015/09/main" xmlns:p="http://schemas.openxmlformats.org/presentationml/2006/main" type="picTx" preserve="1">
+<p:sldLayout xmlns:a="http://schemas.openxmlformats.org/drawingml/2006/main" xmlns:r="http://schemas.openxmlformats.org/officeDocument/2006/relationships" xmlns:p="http://schemas.openxmlformats.org/presentationml/2006/main" type="picTx" preserve="1">
   <p:cSld name="Picture with Caption">
     <p:spTree>
       <p:nvGrpSpPr>
@@ -2605,6 +2614,8 @@
         <a:xfrm>
           <a:off x="0" y="0"/>
           <a:ext cx="0" cy="0"/>
+          <a:chOff x="0" y="0"/>
+          <a:chExt cx="0" cy="0"/>
         </a:xfrm>
       </p:grpSpPr>
       <p:sp>
@@ -2823,7 +2834,7 @@
           <a:p>
             <a:fld id="{60EEB316-38BF-4E8F-9FE9-E4C90A259C5B}" type="datetimeFigureOut">
               <a:rPr lang="ru-RU" smtClean="0"/>
-              <a:t>08.04.2024</a:t>
+              <a:t>15.04.2024</a:t>
             </a:fld>
             <a:endParaRPr lang="ru-RU"/>
           </a:p>
@@ -2902,7 +2913,7 @@
     </p:spTree>
     <p:extLst>
       <p:ext uri="{BB962C8B-B14F-4D97-AF65-F5344CB8AC3E}">
-        <p14:creationId val="2173913039"/>
+        <p14:creationId xmlns:p14="http://schemas.microsoft.com/office/powerpoint/2010/main" val="2173913039"/>
       </p:ext>
     </p:extLst>
   </p:cSld>
@@ -2910,12 +2921,11 @@
     <a:masterClrMapping/>
   </p:clrMapOvr>
   <p:transition/>
-  <p:timing/>
 </p:sldLayout>
 </file>
 
 <file path=ppt/slideMasters/slideMaster1.xml><?xml version="1.0" encoding="utf-8"?>
-<p:sldMaster xmlns:a="http://schemas.openxmlformats.org/drawingml/2006/main" xmlns:r="http://schemas.openxmlformats.org/officeDocument/2006/relationships" xmlns:m="http://schemas.openxmlformats.org/officeDocument/2006/math" xmlns:w="http://schemas.openxmlformats.org/wordprocessingml/2006/main" xmlns:wp="http://schemas.openxmlformats.org/drawingml/2006/wordprocessingDrawing" xmlns:a14="http://schemas.microsoft.com/office/drawing/2010/main" xmlns:mc="http://schemas.openxmlformats.org/markup-compatibility/2006" xmlns:p14="http://schemas.microsoft.com/office/powerpoint/2010/main" xmlns:p15="http://schemas.microsoft.com/office/powerpoint/2012/main" xmlns:p159="http://schemas.microsoft.com/office/powerpoint/2015/09/main" xmlns:p="http://schemas.openxmlformats.org/presentationml/2006/main">
+<p:sldMaster xmlns:a="http://schemas.openxmlformats.org/drawingml/2006/main" xmlns:r="http://schemas.openxmlformats.org/officeDocument/2006/relationships" xmlns:p="http://schemas.openxmlformats.org/presentationml/2006/main">
   <p:cSld>
     <p:bg>
       <p:bgRef idx="1001">
@@ -2932,6 +2942,8 @@
         <a:xfrm>
           <a:off x="0" y="0"/>
           <a:ext cx="0" cy="0"/>
+          <a:chOff x="0" y="0"/>
+          <a:chExt cx="0" cy="0"/>
         </a:xfrm>
       </p:grpSpPr>
       <p:sp>
@@ -2999,23 +3011,23 @@
           <a:lstStyle/>
           <a:p>
             <a:r>
-              <a:rPr lang="en-US" b="1"/>
+              <a:rPr lang="en-US" b="1" dirty="0"/>
               <a:t>This is the second text box.</a:t>
             </a:r>
           </a:p>
           <a:p>
             <a:r>
-              <a:rPr lang="en-US"/>
-              <a:t>This in the second paragraph.</a:t>
-            </a:r>
-            <a:endParaRPr lang="en-US" i="1"/>
+              <a:rPr lang="en-US" dirty="0"/>
+              <a:t>This is the second paragraph.</a:t>
+            </a:r>
+            <a:endParaRPr lang="en-US" i="1" dirty="0"/>
           </a:p>
           <a:p>
             <a:pPr algn="r">
               <a:defRPr i="1" smtClean="0"/>
             </a:pPr>
             <a:r>
-              <a:rPr smtClean="0"/>
+              <a:rPr dirty="0"/>
               <a:t>This is the third paragraph.</a:t>
             </a:r>
           </a:p>
@@ -3024,7 +3036,7 @@
     </p:spTree>
     <p:extLst>
       <p:ext uri="{BB962C8B-B14F-4D97-AF65-F5344CB8AC3E}">
-        <p14:creationId val="396335149"/>
+        <p14:creationId xmlns:p14="http://schemas.microsoft.com/office/powerpoint/2010/main" val="396335149"/>
       </p:ext>
     </p:extLst>
   </p:cSld>
@@ -3043,7 +3055,6 @@
     <p:sldLayoutId id="2147483659" r:id="rId11"/>
   </p:sldLayoutIdLst>
   <p:transition/>
-  <p:timing/>
   <p:txStyles>
     <p:titleStyle>
       <a:lvl1pPr algn="l" defTabSz="914400" rtl="0" eaLnBrk="1" latinLnBrk="0" hangingPunct="1">
@@ -3072,7 +3083,7 @@
         <a:spcBef>
           <a:spcPts val="1000"/>
         </a:spcBef>
-        <a:buFont typeface="Arial" panose="020b0604020202020204" pitchFamily="34" charset="0"/>
+        <a:buFont typeface="Arial" panose="020B0604020202020204" pitchFamily="34" charset="0"/>
         <a:buChar char="•"/>
         <a:defRPr sz="2800" kern="1200">
           <a:solidFill>
@@ -3090,7 +3101,7 @@
         <a:spcBef>
           <a:spcPts val="500"/>
         </a:spcBef>
-        <a:buFont typeface="Arial" panose="020b0604020202020204" pitchFamily="34" charset="0"/>
+        <a:buFont typeface="Arial" panose="020B0604020202020204" pitchFamily="34" charset="0"/>
         <a:buChar char="•"/>
         <a:defRPr sz="2400" kern="1200">
           <a:solidFill>
@@ -3108,7 +3119,7 @@
         <a:spcBef>
           <a:spcPts val="500"/>
         </a:spcBef>
-        <a:buFont typeface="Arial" panose="020b0604020202020204" pitchFamily="34" charset="0"/>
+        <a:buFont typeface="Arial" panose="020B0604020202020204" pitchFamily="34" charset="0"/>
         <a:buChar char="•"/>
         <a:defRPr sz="2000" kern="1200">
           <a:solidFill>
@@ -3126,7 +3137,7 @@
         <a:spcBef>
           <a:spcPts val="500"/>
         </a:spcBef>
-        <a:buFont typeface="Arial" panose="020b0604020202020204" pitchFamily="34" charset="0"/>
+        <a:buFont typeface="Arial" panose="020B0604020202020204" pitchFamily="34" charset="0"/>
         <a:buChar char="•"/>
         <a:defRPr sz="1800" kern="1200">
           <a:solidFill>
@@ -3144,7 +3155,7 @@
         <a:spcBef>
           <a:spcPts val="500"/>
         </a:spcBef>
-        <a:buFont typeface="Arial" panose="020b0604020202020204" pitchFamily="34" charset="0"/>
+        <a:buFont typeface="Arial" panose="020B0604020202020204" pitchFamily="34" charset="0"/>
         <a:buChar char="•"/>
         <a:defRPr sz="1800" kern="1200">
           <a:solidFill>
@@ -3162,7 +3173,7 @@
         <a:spcBef>
           <a:spcPts val="500"/>
         </a:spcBef>
-        <a:buFont typeface="Arial" panose="020b0604020202020204" pitchFamily="34" charset="0"/>
+        <a:buFont typeface="Arial" panose="020B0604020202020204" pitchFamily="34" charset="0"/>
         <a:buChar char="•"/>
         <a:defRPr sz="1800" kern="1200">
           <a:solidFill>
@@ -3180,7 +3191,7 @@
         <a:spcBef>
           <a:spcPts val="500"/>
         </a:spcBef>
-        <a:buFont typeface="Arial" panose="020b0604020202020204" pitchFamily="34" charset="0"/>
+        <a:buFont typeface="Arial" panose="020B0604020202020204" pitchFamily="34" charset="0"/>
         <a:buChar char="•"/>
         <a:defRPr sz="1800" kern="1200">
           <a:solidFill>
@@ -3198,7 +3209,7 @@
         <a:spcBef>
           <a:spcPts val="500"/>
         </a:spcBef>
-        <a:buFont typeface="Arial" panose="020b0604020202020204" pitchFamily="34" charset="0"/>
+        <a:buFont typeface="Arial" panose="020B0604020202020204" pitchFamily="34" charset="0"/>
         <a:buChar char="•"/>
         <a:defRPr sz="1800" kern="1200">
           <a:solidFill>
@@ -3216,7 +3227,7 @@
         <a:spcBef>
           <a:spcPts val="500"/>
         </a:spcBef>
-        <a:buFont typeface="Arial" panose="020b0604020202020204" pitchFamily="34" charset="0"/>
+        <a:buFont typeface="Arial" panose="020B0604020202020204" pitchFamily="34" charset="0"/>
         <a:buChar char="•"/>
         <a:defRPr sz="1800" kern="1200">
           <a:solidFill>
@@ -3328,8 +3339,8 @@
 </file>
 
 <file path=ppt/slides/slide1.xml><?xml version="1.0" encoding="utf-8"?>
-<p:sld xmlns:a="http://schemas.openxmlformats.org/drawingml/2006/main" xmlns:r="http://schemas.openxmlformats.org/officeDocument/2006/relationships" xmlns:m="http://schemas.openxmlformats.org/officeDocument/2006/math" xmlns:w="http://schemas.openxmlformats.org/wordprocessingml/2006/main" xmlns:wp="http://schemas.openxmlformats.org/drawingml/2006/wordprocessingDrawing" xmlns:a14="http://schemas.microsoft.com/office/drawing/2010/main" xmlns:mc="http://schemas.openxmlformats.org/markup-compatibility/2006" xmlns:p14="http://schemas.microsoft.com/office/powerpoint/2010/main" xmlns:p15="http://schemas.microsoft.com/office/powerpoint/2012/main" xmlns:p159="http://schemas.microsoft.com/office/powerpoint/2015/09/main" xmlns:p="http://schemas.openxmlformats.org/presentationml/2006/main">
-  <p:cSld name="">
+<p:sld xmlns:a="http://schemas.openxmlformats.org/drawingml/2006/main" xmlns:r="http://schemas.openxmlformats.org/officeDocument/2006/relationships" xmlns:p="http://schemas.openxmlformats.org/presentationml/2006/main">
+  <p:cSld>
     <p:spTree>
       <p:nvGrpSpPr>
         <p:cNvPr id="1" name=""/>
@@ -3340,12 +3351,14 @@
         <a:xfrm>
           <a:off x="0" y="0"/>
           <a:ext cx="0" cy="0"/>
+          <a:chOff x="0" y="0"/>
+          <a:chExt cx="0" cy="0"/>
         </a:xfrm>
       </p:grpSpPr>
     </p:spTree>
     <p:extLst>
       <p:ext uri="{BB962C8B-B14F-4D97-AF65-F5344CB8AC3E}">
-        <p14:creationId val="1137251313"/>
+        <p14:creationId xmlns:p14="http://schemas.microsoft.com/office/powerpoint/2010/main" val="1137251313"/>
       </p:ext>
     </p:extLst>
   </p:cSld>
@@ -3353,12 +3366,11 @@
     <a:masterClrMapping/>
   </p:clrMapOvr>
   <p:transition/>
-  <p:timing/>
 </p:sld>
 </file>
 
 <file path=ppt/tags/tag1.xml><?xml version="1.0" encoding="utf-8"?>
-<p:tagLst xmlns:p="http://schemas.openxmlformats.org/presentationml/2006/main">
+<p:tagLst xmlns:a="http://schemas.openxmlformats.org/drawingml/2006/main" xmlns:r="http://schemas.openxmlformats.org/officeDocument/2006/relationships" xmlns:p="http://schemas.openxmlformats.org/presentationml/2006/main">
   <p:tag name="AS_NET" val="3.1.32"/>
   <p:tag name="AS_OS" val="Microsoft Windows NT 6.2.9200.0"/>
   <p:tag name="AS_RELEASE_DATE" val="2024.03.14"/>
@@ -3368,7 +3380,7 @@
 </file>
 
 <file path=ppt/theme/theme1.xml><?xml version="1.0" encoding="utf-8"?>
-<a:theme xmlns:r="http://schemas.openxmlformats.org/officeDocument/2006/relationships" xmlns:a="http://schemas.openxmlformats.org/drawingml/2006/main" name="Office Theme">
+<a:theme xmlns:a="http://schemas.openxmlformats.org/drawingml/2006/main" name="Office Theme">
   <a:themeElements>
     <a:clrScheme name="Office">
       <a:dk1>
@@ -3410,8 +3422,8 @@
     </a:clrScheme>
     <a:fontScheme name="Office">
       <a:majorFont>
-        <a:latin typeface="Calibri Light" panose="020f0302020204030204"/>
-        <a:ea typeface="Calibri Light" panose="020f0302020204030204"/>
+        <a:latin typeface="Calibri Light" panose="020F0302020204030204"/>
+        <a:ea typeface="Calibri Light" panose="020F0302020204030204"/>
         <a:cs typeface="Arial"/>
         <a:font script="Jpan" typeface="游ゴシック Light"/>
         <a:font script="Hang" typeface="맑은 고딕"/>
@@ -3462,8 +3474,8 @@
         <a:font script="Tfng" typeface="Ebrima"/>
       </a:majorFont>
       <a:minorFont>
-        <a:latin typeface="Calibri" panose="020f0502020204030204"/>
-        <a:ea typeface="Calibri" panose="020f0502020204030204"/>
+        <a:latin typeface="Calibri" panose="020F0502020204030204"/>
+        <a:ea typeface="Calibri" panose="020F0502020204030204"/>
         <a:cs typeface="Arial"/>
         <a:font script="Jpan" typeface="游ゴシック"/>
         <a:font script="Hang" typeface="맑은 고딕"/>
@@ -3653,6 +3665,7 @@
     </a:fmtScheme>
   </a:themeElements>
   <a:objectDefaults/>
+  <a:extraClrSchemeLst/>
   <a:extLst>
     <a:ext uri="{05A4C25C-085E-4340-85A3-A5531E510DB2}">
       <thm15:themeFamily xmlns:thm15="http://schemas.microsoft.com/office/thememl/2012/main" name="Office Theme" id="{62F939B6-93AF-4DB8-9C6B-D6C7DFDC589F}" vid="{4A3C46E8-61CC-4603-A589-7422A47A8E4A}"/>
